--- a/papers/DRCPA/docs/PerfTest - Setup (RPT).pptx
+++ b/papers/DRCPA/docs/PerfTest - Setup (RPT).pptx
@@ -1,22 +1,21 @@
 
 <file path=ppt/presentation.xml><?xml version="1.0" encoding="utf-8"?>
-<p:presentation xmlns:a="http://schemas.openxmlformats.org/drawingml/2006/main" xmlns:r="http://schemas.openxmlformats.org/officeDocument/2006/relationships" xmlns:p="http://schemas.openxmlformats.org/presentationml/2006/main" saveSubsetFonts="1">
+<p:presentation xmlns:a="http://schemas.openxmlformats.org/drawingml/2006/main" xmlns:r="http://schemas.openxmlformats.org/officeDocument/2006/relationships" xmlns:mc="http://schemas.openxmlformats.org/markup-compatibility/2006" xmlns:mv="urn:schemas-microsoft-com:mac:vml" xmlns:p="http://schemas.openxmlformats.org/presentationml/2006/main" mc:Ignorable="mv" mc:PreserveAttributes="mv:*" saveSubsetFonts="1">
   <p:sldMasterIdLst>
     <p:sldMasterId id="2147483648" r:id="rId1"/>
   </p:sldMasterIdLst>
   <p:sldIdLst>
     <p:sldId id="256" r:id="rId2"/>
-    <p:sldId id="334" r:id="rId3"/>
-    <p:sldId id="336" r:id="rId4"/>
-    <p:sldId id="279" r:id="rId5"/>
-    <p:sldId id="261" r:id="rId6"/>
-    <p:sldId id="262" r:id="rId7"/>
-    <p:sldId id="263" r:id="rId8"/>
-    <p:sldId id="351" r:id="rId9"/>
-    <p:sldId id="352" r:id="rId10"/>
-    <p:sldId id="350" r:id="rId11"/>
-    <p:sldId id="353" r:id="rId12"/>
-    <p:sldId id="354" r:id="rId13"/>
+    <p:sldId id="355" r:id="rId3"/>
+    <p:sldId id="279" r:id="rId4"/>
+    <p:sldId id="261" r:id="rId5"/>
+    <p:sldId id="262" r:id="rId6"/>
+    <p:sldId id="263" r:id="rId7"/>
+    <p:sldId id="351" r:id="rId8"/>
+    <p:sldId id="352" r:id="rId9"/>
+    <p:sldId id="350" r:id="rId10"/>
+    <p:sldId id="353" r:id="rId11"/>
+    <p:sldId id="356" r:id="rId12"/>
   </p:sldIdLst>
   <p:sldSz cx="9144000" cy="6858000" type="screen4x3"/>
   <p:notesSz cx="6858000" cy="9144000"/>
@@ -119,7 +118,7 @@
 </file>
 
 <file path=ppt/slideLayouts/slideLayout1.xml><?xml version="1.0" encoding="utf-8"?>
-<p:sldLayout xmlns:a="http://schemas.openxmlformats.org/drawingml/2006/main" xmlns:r="http://schemas.openxmlformats.org/officeDocument/2006/relationships" xmlns:p="http://schemas.openxmlformats.org/presentationml/2006/main" type="title" preserve="1">
+<p:sldLayout xmlns:a="http://schemas.openxmlformats.org/drawingml/2006/main" xmlns:r="http://schemas.openxmlformats.org/officeDocument/2006/relationships" xmlns:mc="http://schemas.openxmlformats.org/markup-compatibility/2006" xmlns:mv="urn:schemas-microsoft-com:mac:vml" xmlns:p="http://schemas.openxmlformats.org/presentationml/2006/main" mc:Ignorable="mv" mc:PreserveAttributes="mv:*" type="title" preserve="1">
   <p:cSld name="Title Slide">
     <p:bg>
       <p:bgRef idx="1002">
@@ -305,7 +304,7 @@
             <a:fld id="{C60591B3-B4ED-4C31-8AEF-63EEC6A32F51}" type="datetimeFigureOut">
               <a:rPr lang="en-US" smtClean="0"/>
               <a:pPr/>
-              <a:t>9/16/2009</a:t>
+              <a:t>9/22/09</a:t>
             </a:fld>
             <a:endParaRPr lang="en-US"/>
           </a:p>
@@ -363,7 +362,7 @@
 </file>
 
 <file path=ppt/slideLayouts/slideLayout10.xml><?xml version="1.0" encoding="utf-8"?>
-<p:sldLayout xmlns:a="http://schemas.openxmlformats.org/drawingml/2006/main" xmlns:r="http://schemas.openxmlformats.org/officeDocument/2006/relationships" xmlns:p="http://schemas.openxmlformats.org/presentationml/2006/main" type="vertTx" preserve="1">
+<p:sldLayout xmlns:a="http://schemas.openxmlformats.org/drawingml/2006/main" xmlns:r="http://schemas.openxmlformats.org/officeDocument/2006/relationships" xmlns:mc="http://schemas.openxmlformats.org/markup-compatibility/2006" xmlns:mv="urn:schemas-microsoft-com:mac:vml" xmlns:p="http://schemas.openxmlformats.org/presentationml/2006/main" mc:Ignorable="mv" mc:PreserveAttributes="mv:*" type="vertTx" preserve="1">
   <p:cSld name="Title and Vertical Text">
     <p:spTree>
       <p:nvGrpSpPr>
@@ -472,7 +471,7 @@
             <a:fld id="{C60591B3-B4ED-4C31-8AEF-63EEC6A32F51}" type="datetimeFigureOut">
               <a:rPr lang="en-US" smtClean="0"/>
               <a:pPr/>
-              <a:t>9/16/2009</a:t>
+              <a:t>9/22/09</a:t>
             </a:fld>
             <a:endParaRPr lang="en-US"/>
           </a:p>
@@ -530,7 +529,7 @@
 </file>
 
 <file path=ppt/slideLayouts/slideLayout11.xml><?xml version="1.0" encoding="utf-8"?>
-<p:sldLayout xmlns:a="http://schemas.openxmlformats.org/drawingml/2006/main" xmlns:r="http://schemas.openxmlformats.org/officeDocument/2006/relationships" xmlns:p="http://schemas.openxmlformats.org/presentationml/2006/main" type="vertTitleAndTx" preserve="1">
+<p:sldLayout xmlns:a="http://schemas.openxmlformats.org/drawingml/2006/main" xmlns:r="http://schemas.openxmlformats.org/officeDocument/2006/relationships" xmlns:mc="http://schemas.openxmlformats.org/markup-compatibility/2006" xmlns:mv="urn:schemas-microsoft-com:mac:vml" xmlns:p="http://schemas.openxmlformats.org/presentationml/2006/main" mc:Ignorable="mv" mc:PreserveAttributes="mv:*" type="vertTitleAndTx" preserve="1">
   <p:cSld name="Vertical Title and Text">
     <p:spTree>
       <p:nvGrpSpPr>
@@ -649,7 +648,7 @@
             <a:fld id="{C60591B3-B4ED-4C31-8AEF-63EEC6A32F51}" type="datetimeFigureOut">
               <a:rPr lang="en-US" smtClean="0"/>
               <a:pPr/>
-              <a:t>9/16/2009</a:t>
+              <a:t>9/22/09</a:t>
             </a:fld>
             <a:endParaRPr lang="en-US"/>
           </a:p>
@@ -707,7 +706,7 @@
 </file>
 
 <file path=ppt/slideLayouts/slideLayout2.xml><?xml version="1.0" encoding="utf-8"?>
-<p:sldLayout xmlns:a="http://schemas.openxmlformats.org/drawingml/2006/main" xmlns:r="http://schemas.openxmlformats.org/officeDocument/2006/relationships" xmlns:p="http://schemas.openxmlformats.org/presentationml/2006/main" type="obj" preserve="1">
+<p:sldLayout xmlns:a="http://schemas.openxmlformats.org/drawingml/2006/main" xmlns:r="http://schemas.openxmlformats.org/officeDocument/2006/relationships" xmlns:mc="http://schemas.openxmlformats.org/markup-compatibility/2006" xmlns:mv="urn:schemas-microsoft-com:mac:vml" xmlns:p="http://schemas.openxmlformats.org/presentationml/2006/main" mc:Ignorable="mv" mc:PreserveAttributes="mv:*" type="obj" preserve="1">
   <p:cSld name="Title and Content">
     <p:spTree>
       <p:nvGrpSpPr>
@@ -816,7 +815,7 @@
             <a:fld id="{C60591B3-B4ED-4C31-8AEF-63EEC6A32F51}" type="datetimeFigureOut">
               <a:rPr lang="en-US" smtClean="0"/>
               <a:pPr/>
-              <a:t>9/16/2009</a:t>
+              <a:t>9/22/09</a:t>
             </a:fld>
             <a:endParaRPr lang="en-US"/>
           </a:p>
@@ -874,7 +873,7 @@
 </file>
 
 <file path=ppt/slideLayouts/slideLayout3.xml><?xml version="1.0" encoding="utf-8"?>
-<p:sldLayout xmlns:a="http://schemas.openxmlformats.org/drawingml/2006/main" xmlns:r="http://schemas.openxmlformats.org/officeDocument/2006/relationships" xmlns:p="http://schemas.openxmlformats.org/presentationml/2006/main" type="secHead" preserve="1">
+<p:sldLayout xmlns:a="http://schemas.openxmlformats.org/drawingml/2006/main" xmlns:r="http://schemas.openxmlformats.org/officeDocument/2006/relationships" xmlns:mc="http://schemas.openxmlformats.org/markup-compatibility/2006" xmlns:mv="urn:schemas-microsoft-com:mac:vml" xmlns:p="http://schemas.openxmlformats.org/presentationml/2006/main" mc:Ignorable="mv" mc:PreserveAttributes="mv:*" type="secHead" preserve="1">
   <p:cSld name="Section Header">
     <p:bg>
       <p:bgRef idx="1002">
@@ -1064,7 +1063,7 @@
             <a:fld id="{C60591B3-B4ED-4C31-8AEF-63EEC6A32F51}" type="datetimeFigureOut">
               <a:rPr lang="en-US" smtClean="0"/>
               <a:pPr/>
-              <a:t>9/16/2009</a:t>
+              <a:t>9/22/09</a:t>
             </a:fld>
             <a:endParaRPr lang="en-US"/>
           </a:p>
@@ -1122,7 +1121,7 @@
 </file>
 
 <file path=ppt/slideLayouts/slideLayout4.xml><?xml version="1.0" encoding="utf-8"?>
-<p:sldLayout xmlns:a="http://schemas.openxmlformats.org/drawingml/2006/main" xmlns:r="http://schemas.openxmlformats.org/officeDocument/2006/relationships" xmlns:p="http://schemas.openxmlformats.org/presentationml/2006/main" type="twoObj" preserve="1">
+<p:sldLayout xmlns:a="http://schemas.openxmlformats.org/drawingml/2006/main" xmlns:r="http://schemas.openxmlformats.org/officeDocument/2006/relationships" xmlns:mc="http://schemas.openxmlformats.org/markup-compatibility/2006" xmlns:mv="urn:schemas-microsoft-com:mac:vml" xmlns:p="http://schemas.openxmlformats.org/presentationml/2006/main" mc:Ignorable="mv" mc:PreserveAttributes="mv:*" type="twoObj" preserve="1">
   <p:cSld name="Two Content">
     <p:spTree>
       <p:nvGrpSpPr>
@@ -1349,7 +1348,7 @@
             <a:fld id="{C60591B3-B4ED-4C31-8AEF-63EEC6A32F51}" type="datetimeFigureOut">
               <a:rPr lang="en-US" smtClean="0"/>
               <a:pPr/>
-              <a:t>9/16/2009</a:t>
+              <a:t>9/22/09</a:t>
             </a:fld>
             <a:endParaRPr lang="en-US"/>
           </a:p>
@@ -1407,7 +1406,7 @@
 </file>
 
 <file path=ppt/slideLayouts/slideLayout5.xml><?xml version="1.0" encoding="utf-8"?>
-<p:sldLayout xmlns:a="http://schemas.openxmlformats.org/drawingml/2006/main" xmlns:r="http://schemas.openxmlformats.org/officeDocument/2006/relationships" xmlns:p="http://schemas.openxmlformats.org/presentationml/2006/main" type="twoTxTwoObj" preserve="1">
+<p:sldLayout xmlns:a="http://schemas.openxmlformats.org/drawingml/2006/main" xmlns:r="http://schemas.openxmlformats.org/officeDocument/2006/relationships" xmlns:mc="http://schemas.openxmlformats.org/markup-compatibility/2006" xmlns:mv="urn:schemas-microsoft-com:mac:vml" xmlns:p="http://schemas.openxmlformats.org/presentationml/2006/main" mc:Ignorable="mv" mc:PreserveAttributes="mv:*" type="twoTxTwoObj" preserve="1">
   <p:cSld name="Comparison">
     <p:spTree>
       <p:nvGrpSpPr>
@@ -1768,7 +1767,7 @@
             <a:fld id="{C60591B3-B4ED-4C31-8AEF-63EEC6A32F51}" type="datetimeFigureOut">
               <a:rPr lang="en-US" smtClean="0"/>
               <a:pPr/>
-              <a:t>9/16/2009</a:t>
+              <a:t>9/22/09</a:t>
             </a:fld>
             <a:endParaRPr lang="en-US"/>
           </a:p>
@@ -1826,7 +1825,7 @@
 </file>
 
 <file path=ppt/slideLayouts/slideLayout6.xml><?xml version="1.0" encoding="utf-8"?>
-<p:sldLayout xmlns:a="http://schemas.openxmlformats.org/drawingml/2006/main" xmlns:r="http://schemas.openxmlformats.org/officeDocument/2006/relationships" xmlns:p="http://schemas.openxmlformats.org/presentationml/2006/main" type="titleOnly" preserve="1">
+<p:sldLayout xmlns:a="http://schemas.openxmlformats.org/drawingml/2006/main" xmlns:r="http://schemas.openxmlformats.org/officeDocument/2006/relationships" xmlns:mc="http://schemas.openxmlformats.org/markup-compatibility/2006" xmlns:mv="urn:schemas-microsoft-com:mac:vml" xmlns:p="http://schemas.openxmlformats.org/presentationml/2006/main" mc:Ignorable="mv" mc:PreserveAttributes="mv:*" type="titleOnly" preserve="1">
   <p:cSld name="Title Only">
     <p:spTree>
       <p:nvGrpSpPr>
@@ -1883,7 +1882,7 @@
             <a:fld id="{C60591B3-B4ED-4C31-8AEF-63EEC6A32F51}" type="datetimeFigureOut">
               <a:rPr lang="en-US" smtClean="0"/>
               <a:pPr/>
-              <a:t>9/16/2009</a:t>
+              <a:t>9/22/09</a:t>
             </a:fld>
             <a:endParaRPr lang="en-US"/>
           </a:p>
@@ -1941,7 +1940,7 @@
 </file>
 
 <file path=ppt/slideLayouts/slideLayout7.xml><?xml version="1.0" encoding="utf-8"?>
-<p:sldLayout xmlns:a="http://schemas.openxmlformats.org/drawingml/2006/main" xmlns:r="http://schemas.openxmlformats.org/officeDocument/2006/relationships" xmlns:p="http://schemas.openxmlformats.org/presentationml/2006/main" type="blank" preserve="1">
+<p:sldLayout xmlns:a="http://schemas.openxmlformats.org/drawingml/2006/main" xmlns:r="http://schemas.openxmlformats.org/officeDocument/2006/relationships" xmlns:mc="http://schemas.openxmlformats.org/markup-compatibility/2006" xmlns:mv="urn:schemas-microsoft-com:mac:vml" xmlns:p="http://schemas.openxmlformats.org/presentationml/2006/main" mc:Ignorable="mv" mc:PreserveAttributes="mv:*" type="blank" preserve="1">
   <p:cSld name="Blank">
     <p:spTree>
       <p:nvGrpSpPr>
@@ -1975,7 +1974,7 @@
             <a:fld id="{C60591B3-B4ED-4C31-8AEF-63EEC6A32F51}" type="datetimeFigureOut">
               <a:rPr lang="en-US" smtClean="0"/>
               <a:pPr/>
-              <a:t>9/16/2009</a:t>
+              <a:t>9/22/09</a:t>
             </a:fld>
             <a:endParaRPr lang="en-US"/>
           </a:p>
@@ -2033,7 +2032,7 @@
 </file>
 
 <file path=ppt/slideLayouts/slideLayout8.xml><?xml version="1.0" encoding="utf-8"?>
-<p:sldLayout xmlns:a="http://schemas.openxmlformats.org/drawingml/2006/main" xmlns:r="http://schemas.openxmlformats.org/officeDocument/2006/relationships" xmlns:p="http://schemas.openxmlformats.org/presentationml/2006/main" type="objTx" preserve="1">
+<p:sldLayout xmlns:a="http://schemas.openxmlformats.org/drawingml/2006/main" xmlns:r="http://schemas.openxmlformats.org/officeDocument/2006/relationships" xmlns:mc="http://schemas.openxmlformats.org/markup-compatibility/2006" xmlns:mv="urn:schemas-microsoft-com:mac:vml" xmlns:p="http://schemas.openxmlformats.org/presentationml/2006/main" mc:Ignorable="mv" mc:PreserveAttributes="mv:*" type="objTx" preserve="1">
   <p:cSld name="Content with Caption">
     <p:spTree>
       <p:nvGrpSpPr>
@@ -2249,7 +2248,7 @@
             <a:fld id="{C60591B3-B4ED-4C31-8AEF-63EEC6A32F51}" type="datetimeFigureOut">
               <a:rPr lang="en-US" smtClean="0"/>
               <a:pPr/>
-              <a:t>9/16/2009</a:t>
+              <a:t>9/22/09</a:t>
             </a:fld>
             <a:endParaRPr lang="en-US"/>
           </a:p>
@@ -2307,7 +2306,7 @@
 </file>
 
 <file path=ppt/slideLayouts/slideLayout9.xml><?xml version="1.0" encoding="utf-8"?>
-<p:sldLayout xmlns:a="http://schemas.openxmlformats.org/drawingml/2006/main" xmlns:r="http://schemas.openxmlformats.org/officeDocument/2006/relationships" xmlns:p="http://schemas.openxmlformats.org/presentationml/2006/main" type="picTx" preserve="1">
+<p:sldLayout xmlns:a="http://schemas.openxmlformats.org/drawingml/2006/main" xmlns:r="http://schemas.openxmlformats.org/officeDocument/2006/relationships" xmlns:mc="http://schemas.openxmlformats.org/markup-compatibility/2006" xmlns:mv="urn:schemas-microsoft-com:mac:vml" xmlns:p="http://schemas.openxmlformats.org/presentationml/2006/main" mc:Ignorable="mv" mc:PreserveAttributes="mv:*" type="picTx" preserve="1">
   <p:cSld name="Picture with Caption">
     <p:spTree>
       <p:nvGrpSpPr>
@@ -2499,7 +2498,7 @@
             <a:fld id="{C60591B3-B4ED-4C31-8AEF-63EEC6A32F51}" type="datetimeFigureOut">
               <a:rPr lang="en-US" smtClean="0"/>
               <a:pPr/>
-              <a:t>9/16/2009</a:t>
+              <a:t>9/22/09</a:t>
             </a:fld>
             <a:endParaRPr lang="en-US"/>
           </a:p>
@@ -2557,7 +2556,7 @@
 </file>
 
 <file path=ppt/slideMasters/slideMaster1.xml><?xml version="1.0" encoding="utf-8"?>
-<p:sldMaster xmlns:a="http://schemas.openxmlformats.org/drawingml/2006/main" xmlns:r="http://schemas.openxmlformats.org/officeDocument/2006/relationships" xmlns:p="http://schemas.openxmlformats.org/presentationml/2006/main">
+<p:sldMaster xmlns:a="http://schemas.openxmlformats.org/drawingml/2006/main" xmlns:r="http://schemas.openxmlformats.org/officeDocument/2006/relationships" xmlns:mc="http://schemas.openxmlformats.org/markup-compatibility/2006" xmlns:mv="urn:schemas-microsoft-com:mac:vml" xmlns:p="http://schemas.openxmlformats.org/presentationml/2006/main" mc:Ignorable="mv" mc:PreserveAttributes="mv:*">
   <p:cSld>
     <p:bg>
       <p:bgRef idx="1001">
@@ -2709,7 +2708,7 @@
             <a:fld id="{C60591B3-B4ED-4C31-8AEF-63EEC6A32F51}" type="datetimeFigureOut">
               <a:rPr lang="en-US" smtClean="0"/>
               <a:pPr/>
-              <a:t>9/16/2009</a:t>
+              <a:t>9/22/09</a:t>
             </a:fld>
             <a:endParaRPr lang="en-US"/>
           </a:p>
@@ -3064,7 +3063,7 @@
 </file>
 
 <file path=ppt/slides/slide1.xml><?xml version="1.0" encoding="utf-8"?>
-<p:sld xmlns:a="http://schemas.openxmlformats.org/drawingml/2006/main" xmlns:r="http://schemas.openxmlformats.org/officeDocument/2006/relationships" xmlns:p="http://schemas.openxmlformats.org/presentationml/2006/main">
+<p:sld xmlns:a="http://schemas.openxmlformats.org/drawingml/2006/main" xmlns:r="http://schemas.openxmlformats.org/officeDocument/2006/relationships" xmlns:mc="http://schemas.openxmlformats.org/markup-compatibility/2006" xmlns:mv="urn:schemas-microsoft-com:mac:vml" xmlns:p="http://schemas.openxmlformats.org/presentationml/2006/main" mc:Ignorable="mv" mc:PreserveAttributes="mv:*">
   <p:cSld>
     <p:spTree>
       <p:nvGrpSpPr>
@@ -3142,15 +3141,7 @@
                   <a:srgbClr val="FFC000"/>
                 </a:solidFill>
               </a:rPr>
-              <a:t>Setup </a:t>
-            </a:r>
-            <a:r>
-              <a:rPr lang="en-US" dirty="0" smtClean="0">
-                <a:solidFill>
-                  <a:srgbClr val="FFC000"/>
-                </a:solidFill>
-              </a:rPr>
-              <a:t>(RPT)</a:t>
+              <a:t>Setup (RPT)</a:t>
             </a:r>
             <a:endParaRPr lang="en-US" dirty="0"/>
           </a:p>
@@ -3183,7 +3174,15 @@
           <a:p>
             <a:r>
               <a:rPr lang="en-US" dirty="0" smtClean="0"/>
-              <a:t>Last Updated: Sep. 16, 2009</a:t>
+              <a:t>Last Updated: Sep.</a:t>
+            </a:r>
+            <a:r>
+              <a:rPr lang="en-US" dirty="0" smtClean="0"/>
+              <a:t> 22, </a:t>
+            </a:r>
+            <a:r>
+              <a:rPr lang="en-US" dirty="0" smtClean="0"/>
+              <a:t>2009</a:t>
             </a:r>
             <a:endParaRPr lang="en-US" dirty="0"/>
           </a:p>
@@ -3198,106 +3197,7 @@
 </file>
 
 <file path=ppt/slides/slide10.xml><?xml version="1.0" encoding="utf-8"?>
-<p:sld xmlns:a="http://schemas.openxmlformats.org/drawingml/2006/main" xmlns:r="http://schemas.openxmlformats.org/officeDocument/2006/relationships" xmlns:p="http://schemas.openxmlformats.org/presentationml/2006/main">
-  <p:cSld>
-    <p:spTree>
-      <p:nvGrpSpPr>
-        <p:cNvPr id="1" name=""/>
-        <p:cNvGrpSpPr/>
-        <p:nvPr/>
-      </p:nvGrpSpPr>
-      <p:grpSpPr>
-        <a:xfrm>
-          <a:off x="0" y="0"/>
-          <a:ext cx="0" cy="0"/>
-          <a:chOff x="0" y="0"/>
-          <a:chExt cx="0" cy="0"/>
-        </a:xfrm>
-      </p:grpSpPr>
-      <p:sp>
-        <p:nvSpPr>
-          <p:cNvPr id="2" name="Title 1"/>
-          <p:cNvSpPr>
-            <a:spLocks noGrp="1"/>
-          </p:cNvSpPr>
-          <p:nvPr>
-            <p:ph type="title"/>
-          </p:nvPr>
-        </p:nvSpPr>
-        <p:spPr/>
-        <p:txBody>
-          <a:bodyPr/>
-          <a:lstStyle/>
-          <a:p>
-            <a:r>
-              <a:rPr lang="en-US" dirty="0" smtClean="0"/>
-              <a:t>RPT Configuration (Cont’d)</a:t>
-            </a:r>
-            <a:endParaRPr lang="en-US" dirty="0"/>
-          </a:p>
-        </p:txBody>
-      </p:sp>
-      <p:sp>
-        <p:nvSpPr>
-          <p:cNvPr id="3" name="Content Placeholder 2"/>
-          <p:cNvSpPr>
-            <a:spLocks noGrp="1"/>
-          </p:cNvSpPr>
-          <p:nvPr>
-            <p:ph idx="1"/>
-          </p:nvPr>
-        </p:nvSpPr>
-        <p:spPr/>
-        <p:txBody>
-          <a:bodyPr/>
-          <a:lstStyle/>
-          <a:p>
-            <a:endParaRPr lang="en-US"/>
-          </a:p>
-        </p:txBody>
-      </p:sp>
-      <p:pic>
-        <p:nvPicPr>
-          <p:cNvPr id="1026" name="Picture 2"/>
-          <p:cNvPicPr>
-            <a:picLocks noChangeAspect="1" noChangeArrowheads="1"/>
-          </p:cNvPicPr>
-          <p:nvPr/>
-        </p:nvPicPr>
-        <p:blipFill>
-          <a:blip r:embed="rId2" cstate="print"/>
-          <a:srcRect/>
-          <a:stretch>
-            <a:fillRect/>
-          </a:stretch>
-        </p:blipFill>
-        <p:spPr bwMode="auto">
-          <a:xfrm>
-            <a:off x="1057275" y="214313"/>
-            <a:ext cx="7029450" cy="6429375"/>
-          </a:xfrm>
-          <a:prstGeom prst="rect">
-            <a:avLst/>
-          </a:prstGeom>
-          <a:noFill/>
-          <a:ln w="9525">
-            <a:noFill/>
-            <a:miter lim="800000"/>
-            <a:headEnd/>
-            <a:tailEnd/>
-          </a:ln>
-        </p:spPr>
-      </p:pic>
-    </p:spTree>
-  </p:cSld>
-  <p:clrMapOvr>
-    <a:masterClrMapping/>
-  </p:clrMapOvr>
-</p:sld>
-</file>
-
-<file path=ppt/slides/slide11.xml><?xml version="1.0" encoding="utf-8"?>
-<p:sld xmlns:a="http://schemas.openxmlformats.org/drawingml/2006/main" xmlns:r="http://schemas.openxmlformats.org/officeDocument/2006/relationships" xmlns:p="http://schemas.openxmlformats.org/presentationml/2006/main">
+<p:sld xmlns:a="http://schemas.openxmlformats.org/drawingml/2006/main" xmlns:r="http://schemas.openxmlformats.org/officeDocument/2006/relationships" xmlns:mc="http://schemas.openxmlformats.org/markup-compatibility/2006" xmlns:mv="urn:schemas-microsoft-com:mac:vml" xmlns:p="http://schemas.openxmlformats.org/presentationml/2006/main" mc:Ignorable="mv" mc:PreserveAttributes="mv:*">
   <p:cSld>
     <p:spTree>
       <p:nvGrpSpPr>
@@ -3395,8 +3295,8 @@
 </p:sld>
 </file>
 
-<file path=ppt/slides/slide12.xml><?xml version="1.0" encoding="utf-8"?>
-<p:sld xmlns:a="http://schemas.openxmlformats.org/drawingml/2006/main" xmlns:r="http://schemas.openxmlformats.org/officeDocument/2006/relationships" xmlns:p="http://schemas.openxmlformats.org/presentationml/2006/main">
+<file path=ppt/slides/slide11.xml><?xml version="1.0" encoding="utf-8"?>
+<p:sld xmlns:a="http://schemas.openxmlformats.org/drawingml/2006/main" xmlns:r="http://schemas.openxmlformats.org/officeDocument/2006/relationships" xmlns:mc="http://schemas.openxmlformats.org/markup-compatibility/2006" xmlns:mv="urn:schemas-microsoft-com:mac:vml" xmlns:p="http://schemas.openxmlformats.org/presentationml/2006/main" mc:Ignorable="mv" mc:PreserveAttributes="mv:*">
   <p:cSld>
     <p:spTree>
       <p:nvGrpSpPr>
@@ -3414,7 +3314,7 @@
       </p:grpSpPr>
       <p:sp>
         <p:nvSpPr>
-          <p:cNvPr id="2" name="Title 1"/>
+          <p:cNvPr id="6" name="Title 5"/>
           <p:cNvSpPr>
             <a:spLocks noGrp="1"/>
           </p:cNvSpPr>
@@ -3437,65 +3337,23 @@
       </p:sp>
       <p:sp>
         <p:nvSpPr>
-          <p:cNvPr id="3" name="Content Placeholder 2"/>
-          <p:cNvSpPr>
-            <a:spLocks noGrp="1"/>
-          </p:cNvSpPr>
-          <p:nvPr>
-            <p:ph idx="1"/>
-          </p:nvPr>
-        </p:nvSpPr>
-        <p:spPr/>
-        <p:txBody>
-          <a:bodyPr/>
-          <a:lstStyle/>
-          <a:p>
-            <a:r>
-              <a:rPr lang="en-US" i="1" dirty="0" smtClean="0"/>
-              <a:t>IWAT0292E</a:t>
-            </a:r>
-          </a:p>
-          <a:p>
-            <a:r>
-              <a:rPr lang="en-US" dirty="0" smtClean="0"/>
-              <a:t>http://www.ibm.com/developerworks/forums/message.jspa?messageID=13938063</a:t>
-            </a:r>
-            <a:endParaRPr lang="en-US" dirty="0"/>
-          </a:p>
-        </p:txBody>
-      </p:sp>
-      <p:pic>
-        <p:nvPicPr>
-          <p:cNvPr id="5122" name="Picture 2"/>
-          <p:cNvPicPr>
-            <a:picLocks noChangeAspect="1" noChangeArrowheads="1"/>
-          </p:cNvPicPr>
-          <p:nvPr/>
-        </p:nvPicPr>
-        <p:blipFill>
-          <a:blip r:embed="rId2" cstate="print"/>
-          <a:srcRect/>
-          <a:stretch>
-            <a:fillRect/>
-          </a:stretch>
-        </p:blipFill>
-        <p:spPr bwMode="auto">
-          <a:xfrm>
-            <a:off x="2438400" y="3505200"/>
-            <a:ext cx="4219575" cy="1714500"/>
-          </a:xfrm>
-          <a:prstGeom prst="rect">
-            <a:avLst/>
-          </a:prstGeom>
-          <a:noFill/>
-          <a:ln w="9525">
-            <a:noFill/>
-            <a:miter lim="800000"/>
-            <a:headEnd/>
-            <a:tailEnd/>
-          </a:ln>
-        </p:spPr>
-      </p:pic>
+          <p:cNvPr id="7" name="Text Placeholder 6"/>
+          <p:cNvSpPr>
+            <a:spLocks noGrp="1"/>
+          </p:cNvSpPr>
+          <p:nvPr>
+            <p:ph type="body" idx="1"/>
+          </p:nvPr>
+        </p:nvSpPr>
+        <p:spPr/>
+        <p:txBody>
+          <a:bodyPr/>
+          <a:lstStyle/>
+          <a:p>
+            <a:endParaRPr lang="en-US"/>
+          </a:p>
+        </p:txBody>
+      </p:sp>
     </p:spTree>
   </p:cSld>
   <p:clrMapOvr>
@@ -3505,7 +3363,7 @@
 </file>
 
 <file path=ppt/slides/slide2.xml><?xml version="1.0" encoding="utf-8"?>
-<p:sld xmlns:a="http://schemas.openxmlformats.org/drawingml/2006/main" xmlns:r="http://schemas.openxmlformats.org/officeDocument/2006/relationships" xmlns:p="http://schemas.openxmlformats.org/presentationml/2006/main">
+<p:sld xmlns:a="http://schemas.openxmlformats.org/drawingml/2006/main" xmlns:r="http://schemas.openxmlformats.org/officeDocument/2006/relationships" xmlns:mc="http://schemas.openxmlformats.org/markup-compatibility/2006" xmlns:mv="urn:schemas-microsoft-com:mac:vml" xmlns:p="http://schemas.openxmlformats.org/presentationml/2006/main" mc:Ignorable="mv" mc:PreserveAttributes="mv:*">
   <p:cSld>
     <p:spTree>
       <p:nvGrpSpPr>
@@ -3523,7 +3381,7 @@
       </p:grpSpPr>
       <p:sp>
         <p:nvSpPr>
-          <p:cNvPr id="4" name="Title 3"/>
+          <p:cNvPr id="2" name="Title 1"/>
           <p:cNvSpPr>
             <a:spLocks noGrp="1"/>
           </p:cNvSpPr>
@@ -3538,7 +3396,7 @@
           <a:p>
             <a:r>
               <a:rPr lang="en-US" dirty="0" smtClean="0"/>
-              <a:t>Agent Controller</a:t>
+              <a:t>IBM Academic Initiative (Cont’d)</a:t>
             </a:r>
             <a:endParaRPr lang="en-US" dirty="0"/>
           </a:p>
@@ -3546,23 +3404,90 @@
       </p:sp>
       <p:sp>
         <p:nvSpPr>
-          <p:cNvPr id="5" name="Text Placeholder 4"/>
-          <p:cNvSpPr>
-            <a:spLocks noGrp="1"/>
-          </p:cNvSpPr>
-          <p:nvPr>
-            <p:ph type="body" idx="1"/>
-          </p:nvPr>
-        </p:nvSpPr>
-        <p:spPr/>
-        <p:txBody>
-          <a:bodyPr/>
-          <a:lstStyle/>
-          <a:p>
+          <p:cNvPr id="3" name="Content Placeholder 2"/>
+          <p:cNvSpPr>
+            <a:spLocks noGrp="1"/>
+          </p:cNvSpPr>
+          <p:nvPr>
+            <p:ph idx="1"/>
+          </p:nvPr>
+        </p:nvSpPr>
+        <p:spPr/>
+        <p:txBody>
+          <a:bodyPr>
+            <a:normAutofit/>
+          </a:bodyPr>
+          <a:lstStyle/>
+          <a:p>
+            <a:pPr marL="342900" lvl="1" indent="-342900">
+              <a:buFont typeface="Wingdings" pitchFamily="2" charset="2"/>
+              <a:buChar char="§"/>
+            </a:pPr>
             <a:r>
               <a:rPr lang="en-US" dirty="0" smtClean="0"/>
-              <a:t>Installation and Configuration on the Server side</a:t>
-            </a:r>
+              <a:t>Query: “Rational Performance Tester V8.0”</a:t>
+            </a:r>
+          </a:p>
+          <a:p>
+            <a:pPr lvl="1"/>
+            <a:r>
+              <a:rPr lang="en-US" sz="2400" dirty="0" smtClean="0"/>
+              <a:t>IBM Rational Performance Tester V8.0 Multiplatform Multilingual </a:t>
+            </a:r>
+            <a:r>
+              <a:rPr lang="en-US" sz="2400" dirty="0" err="1" smtClean="0"/>
+              <a:t>eAssembly</a:t>
+            </a:r>
+            <a:r>
+              <a:rPr lang="en-US" sz="2400" dirty="0" smtClean="0"/>
+              <a:t> (Core) (CR7VNML) </a:t>
+            </a:r>
+            <a:r>
+              <a:rPr lang="en-US" sz="2400" dirty="0" smtClean="0">
+                <a:solidFill>
+                  <a:srgbClr val="00B0F0"/>
+                </a:solidFill>
+              </a:rPr>
+              <a:t>&lt;- RPT Agent (Link Error?)</a:t>
+            </a:r>
+          </a:p>
+          <a:p>
+            <a:pPr lvl="1"/>
+            <a:r>
+              <a:rPr lang="en-US" sz="2400" dirty="0" smtClean="0"/>
+              <a:t>IBM Rational Performance Tester V8.0 for z/OS Multiplatform Multilingual </a:t>
+            </a:r>
+            <a:r>
+              <a:rPr lang="en-US" sz="2400" dirty="0" err="1" smtClean="0"/>
+              <a:t>eAssembly</a:t>
+            </a:r>
+            <a:r>
+              <a:rPr lang="en-US" sz="2400" dirty="0" smtClean="0"/>
+              <a:t> (Core) (CR7XFML) &lt;- </a:t>
+            </a:r>
+            <a:r>
+              <a:rPr lang="en-US" sz="2400" dirty="0" smtClean="0">
+                <a:solidFill>
+                  <a:srgbClr val="00B0F0"/>
+                </a:solidFill>
+              </a:rPr>
+              <a:t>RPT (Link Error?)</a:t>
+            </a:r>
+          </a:p>
+          <a:p>
+            <a:r>
+              <a:rPr lang="en-US" dirty="0" smtClean="0"/>
+              <a:t>Part Information (in detail)</a:t>
+            </a:r>
+          </a:p>
+          <a:p>
+            <a:pPr lvl="1"/>
+            <a:r>
+              <a:rPr lang="en-US" dirty="0" smtClean="0"/>
+              <a:t>http://www-01.ibm.com/support/docview.wss?rs=180&amp;uid=swg27007743</a:t>
+            </a:r>
+          </a:p>
+          <a:p>
             <a:endParaRPr lang="en-US" dirty="0"/>
           </a:p>
         </p:txBody>
@@ -3572,11 +3497,18 @@
   <p:clrMapOvr>
     <a:masterClrMapping/>
   </p:clrMapOvr>
+  <p:timing>
+    <p:tnLst>
+      <p:par>
+        <p:cTn id="1" dur="indefinite" restart="never" nodeType="tmRoot"/>
+      </p:par>
+    </p:tnLst>
+  </p:timing>
 </p:sld>
 </file>
 
 <file path=ppt/slides/slide3.xml><?xml version="1.0" encoding="utf-8"?>
-<p:sld xmlns:a="http://schemas.openxmlformats.org/drawingml/2006/main" xmlns:r="http://schemas.openxmlformats.org/officeDocument/2006/relationships" xmlns:p="http://schemas.openxmlformats.org/presentationml/2006/main">
+<p:sld xmlns:a="http://schemas.openxmlformats.org/drawingml/2006/main" xmlns:r="http://schemas.openxmlformats.org/officeDocument/2006/relationships" xmlns:mc="http://schemas.openxmlformats.org/markup-compatibility/2006" xmlns:mv="urn:schemas-microsoft-com:mac:vml" xmlns:p="http://schemas.openxmlformats.org/presentationml/2006/main" mc:Ignorable="mv" mc:PreserveAttributes="mv:*">
   <p:cSld>
     <p:spTree>
       <p:nvGrpSpPr>
@@ -3594,7 +3526,7 @@
       </p:grpSpPr>
       <p:sp>
         <p:nvSpPr>
-          <p:cNvPr id="4" name="Title 3"/>
+          <p:cNvPr id="2" name="Title 1"/>
           <p:cNvSpPr>
             <a:spLocks noGrp="1"/>
           </p:cNvSpPr>
@@ -3607,18 +3539,29 @@
           <a:bodyPr/>
           <a:lstStyle/>
           <a:p>
+            <a:r>
+              <a:rPr lang="en-US" dirty="0" smtClean="0"/>
+              <a:t>Rational Performance Tester </a:t>
+            </a:r>
+            <a:br>
+              <a:rPr lang="en-US" dirty="0" smtClean="0"/>
+            </a:br>
+            <a:r>
+              <a:rPr lang="en-US" dirty="0" smtClean="0"/>
+              <a:t>v8.0</a:t>
+            </a:r>
             <a:endParaRPr lang="en-US" dirty="0"/>
           </a:p>
         </p:txBody>
       </p:sp>
       <p:sp>
         <p:nvSpPr>
-          <p:cNvPr id="5" name="Content Placeholder 4"/>
-          <p:cNvSpPr>
-            <a:spLocks noGrp="1"/>
-          </p:cNvSpPr>
-          <p:nvPr>
-            <p:ph idx="1"/>
+          <p:cNvPr id="4" name="Text Placeholder 3"/>
+          <p:cNvSpPr>
+            <a:spLocks noGrp="1"/>
+          </p:cNvSpPr>
+          <p:nvPr>
+            <p:ph type="body" idx="1"/>
           </p:nvPr>
         </p:nvSpPr>
         <p:spPr/>
@@ -3628,104 +3571,9 @@
           <a:p>
             <a:r>
               <a:rPr lang="en-US" dirty="0" smtClean="0"/>
-              <a:t>Repository</a:t>
-            </a:r>
-          </a:p>
-          <a:p>
-            <a:pPr lvl="1"/>
-            <a:r>
-              <a:rPr lang="en-US" dirty="0" smtClean="0">
-                <a:latin typeface="Courier New" pitchFamily="49" charset="0"/>
-                <a:cs typeface="Courier New" pitchFamily="49" charset="0"/>
-              </a:rPr>
-              <a:t>/</a:t>
-            </a:r>
-            <a:r>
-              <a:rPr lang="en-US" dirty="0" err="1" smtClean="0">
-                <a:latin typeface="Courier New" pitchFamily="49" charset="0"/>
-                <a:cs typeface="Courier New" pitchFamily="49" charset="0"/>
-              </a:rPr>
-              <a:t>usr</a:t>
-            </a:r>
-            <a:r>
-              <a:rPr lang="en-US" dirty="0" smtClean="0">
-                <a:latin typeface="Courier New" pitchFamily="49" charset="0"/>
-                <a:cs typeface="Courier New" pitchFamily="49" charset="0"/>
-              </a:rPr>
-              <a:t>/</a:t>
-            </a:r>
-            <a:r>
-              <a:rPr lang="en-US" dirty="0" err="1" smtClean="0">
-                <a:latin typeface="Courier New" pitchFamily="49" charset="0"/>
-                <a:cs typeface="Courier New" pitchFamily="49" charset="0"/>
-              </a:rPr>
-              <a:t>rptagent</a:t>
-            </a:r>
-            <a:endParaRPr lang="en-US" dirty="0" smtClean="0">
-              <a:latin typeface="Courier New" pitchFamily="49" charset="0"/>
-              <a:cs typeface="Courier New" pitchFamily="49" charset="0"/>
-            </a:endParaRPr>
-          </a:p>
-          <a:p>
-            <a:r>
-              <a:rPr lang="en-US" dirty="0" smtClean="0"/>
-              <a:t>Installation Directory</a:t>
-            </a:r>
-          </a:p>
-          <a:p>
-            <a:pPr lvl="1"/>
-            <a:r>
-              <a:rPr lang="en-US" dirty="0" smtClean="0">
-                <a:latin typeface="Courier New" pitchFamily="49" charset="0"/>
-                <a:cs typeface="Courier New" pitchFamily="49" charset="0"/>
-              </a:rPr>
-              <a:t>/opt/IBM/SDP/</a:t>
-            </a:r>
-            <a:r>
-              <a:rPr lang="en-US" dirty="0" err="1" smtClean="0">
-                <a:latin typeface="Courier New" pitchFamily="49" charset="0"/>
-                <a:cs typeface="Courier New" pitchFamily="49" charset="0"/>
-              </a:rPr>
-              <a:t>AgentController</a:t>
-            </a:r>
-            <a:endParaRPr lang="en-US" dirty="0" smtClean="0">
-              <a:latin typeface="Courier New" pitchFamily="49" charset="0"/>
-              <a:cs typeface="Courier New" pitchFamily="49" charset="0"/>
-            </a:endParaRPr>
-          </a:p>
-          <a:p>
-            <a:r>
-              <a:rPr lang="en-US" dirty="0" smtClean="0"/>
-              <a:t>Starting AC</a:t>
-            </a:r>
-          </a:p>
-          <a:p>
-            <a:pPr lvl="1"/>
-            <a:r>
-              <a:rPr lang="en-US" dirty="0" smtClean="0">
-                <a:latin typeface="Courier New" pitchFamily="49" charset="0"/>
-                <a:cs typeface="Courier New" pitchFamily="49" charset="0"/>
-              </a:rPr>
-              <a:t># /opt/IBM/SDP/</a:t>
-            </a:r>
-            <a:r>
-              <a:rPr lang="en-US" dirty="0" err="1" smtClean="0">
-                <a:latin typeface="Courier New" pitchFamily="49" charset="0"/>
-                <a:cs typeface="Courier New" pitchFamily="49" charset="0"/>
-              </a:rPr>
-              <a:t>AgentController</a:t>
-            </a:r>
-            <a:r>
-              <a:rPr lang="en-US" dirty="0" smtClean="0">
-                <a:latin typeface="Courier New" pitchFamily="49" charset="0"/>
-                <a:cs typeface="Courier New" pitchFamily="49" charset="0"/>
-              </a:rPr>
-              <a:t>/bin/ACStart.sh</a:t>
-            </a:r>
-            <a:endParaRPr lang="en-US" dirty="0">
-              <a:latin typeface="Courier New" pitchFamily="49" charset="0"/>
-              <a:cs typeface="Courier New" pitchFamily="49" charset="0"/>
-            </a:endParaRPr>
+              <a:t>Installation and Configuration on the Client side</a:t>
+            </a:r>
+            <a:endParaRPr lang="en-US" dirty="0"/>
           </a:p>
         </p:txBody>
       </p:sp>
@@ -3738,85 +3586,7 @@
 </file>
 
 <file path=ppt/slides/slide4.xml><?xml version="1.0" encoding="utf-8"?>
-<p:sld xmlns:a="http://schemas.openxmlformats.org/drawingml/2006/main" xmlns:r="http://schemas.openxmlformats.org/officeDocument/2006/relationships" xmlns:p="http://schemas.openxmlformats.org/presentationml/2006/main">
-  <p:cSld>
-    <p:spTree>
-      <p:nvGrpSpPr>
-        <p:cNvPr id="1" name=""/>
-        <p:cNvGrpSpPr/>
-        <p:nvPr/>
-      </p:nvGrpSpPr>
-      <p:grpSpPr>
-        <a:xfrm>
-          <a:off x="0" y="0"/>
-          <a:ext cx="0" cy="0"/>
-          <a:chOff x="0" y="0"/>
-          <a:chExt cx="0" cy="0"/>
-        </a:xfrm>
-      </p:grpSpPr>
-      <p:sp>
-        <p:nvSpPr>
-          <p:cNvPr id="2" name="Title 1"/>
-          <p:cNvSpPr>
-            <a:spLocks noGrp="1"/>
-          </p:cNvSpPr>
-          <p:nvPr>
-            <p:ph type="title"/>
-          </p:nvPr>
-        </p:nvSpPr>
-        <p:spPr/>
-        <p:txBody>
-          <a:bodyPr/>
-          <a:lstStyle/>
-          <a:p>
-            <a:r>
-              <a:rPr lang="en-US" dirty="0" smtClean="0"/>
-              <a:t>Rational Performance Tester </a:t>
-            </a:r>
-            <a:br>
-              <a:rPr lang="en-US" dirty="0" smtClean="0"/>
-            </a:br>
-            <a:r>
-              <a:rPr lang="en-US" dirty="0" smtClean="0"/>
-              <a:t>v8.0</a:t>
-            </a:r>
-            <a:endParaRPr lang="en-US" dirty="0"/>
-          </a:p>
-        </p:txBody>
-      </p:sp>
-      <p:sp>
-        <p:nvSpPr>
-          <p:cNvPr id="4" name="Text Placeholder 3"/>
-          <p:cNvSpPr>
-            <a:spLocks noGrp="1"/>
-          </p:cNvSpPr>
-          <p:nvPr>
-            <p:ph type="body" idx="1"/>
-          </p:nvPr>
-        </p:nvSpPr>
-        <p:spPr/>
-        <p:txBody>
-          <a:bodyPr/>
-          <a:lstStyle/>
-          <a:p>
-            <a:r>
-              <a:rPr lang="en-US" dirty="0" smtClean="0"/>
-              <a:t>Installation and Configuration on the Client side</a:t>
-            </a:r>
-            <a:endParaRPr lang="en-US" dirty="0"/>
-          </a:p>
-        </p:txBody>
-      </p:sp>
-    </p:spTree>
-  </p:cSld>
-  <p:clrMapOvr>
-    <a:masterClrMapping/>
-  </p:clrMapOvr>
-</p:sld>
-</file>
-
-<file path=ppt/slides/slide5.xml><?xml version="1.0" encoding="utf-8"?>
-<p:sld xmlns:a="http://schemas.openxmlformats.org/drawingml/2006/main" xmlns:r="http://schemas.openxmlformats.org/officeDocument/2006/relationships" xmlns:p="http://schemas.openxmlformats.org/presentationml/2006/main">
+<p:sld xmlns:a="http://schemas.openxmlformats.org/drawingml/2006/main" xmlns:r="http://schemas.openxmlformats.org/officeDocument/2006/relationships" xmlns:mc="http://schemas.openxmlformats.org/markup-compatibility/2006" xmlns:mv="urn:schemas-microsoft-com:mac:vml" xmlns:p="http://schemas.openxmlformats.org/presentationml/2006/main" mc:Ignorable="mv" mc:PreserveAttributes="mv:*">
   <p:cSld>
     <p:spTree>
       <p:nvGrpSpPr>
@@ -3954,6 +3724,65 @@
           </a:p>
         </p:txBody>
       </p:sp>
+      <p:sp>
+        <p:nvSpPr>
+          <p:cNvPr id="7" name="Rounded Rectangular Callout 6"/>
+          <p:cNvSpPr/>
+          <p:nvPr/>
+        </p:nvSpPr>
+        <p:spPr>
+          <a:xfrm>
+            <a:off x="4191000" y="2819400"/>
+            <a:ext cx="1066800" cy="228600"/>
+          </a:xfrm>
+          <a:prstGeom prst="wedgeRoundRectCallout">
+            <a:avLst>
+              <a:gd name="adj1" fmla="val -65476"/>
+              <a:gd name="adj2" fmla="val -25000"/>
+              <a:gd name="adj3" fmla="val 16667"/>
+            </a:avLst>
+          </a:prstGeom>
+          <a:solidFill>
+            <a:srgbClr val="FFC000"/>
+          </a:solidFill>
+        </p:spPr>
+        <p:style>
+          <a:lnRef idx="2">
+            <a:schemeClr val="accent1">
+              <a:shade val="50000"/>
+            </a:schemeClr>
+          </a:lnRef>
+          <a:fillRef idx="1">
+            <a:schemeClr val="accent1"/>
+          </a:fillRef>
+          <a:effectRef idx="0">
+            <a:schemeClr val="accent1"/>
+          </a:effectRef>
+          <a:fontRef idx="minor">
+            <a:schemeClr val="lt1"/>
+          </a:fontRef>
+        </p:style>
+        <p:txBody>
+          <a:bodyPr rtlCol="0" anchor="ctr"/>
+          <a:lstStyle/>
+          <a:p>
+            <a:pPr algn="ctr"/>
+            <a:r>
+              <a:rPr lang="en-US" sz="1400" dirty="0" smtClean="0">
+                <a:solidFill>
+                  <a:schemeClr val="tx1"/>
+                </a:solidFill>
+              </a:rPr>
+              <a:t>Important!!</a:t>
+            </a:r>
+            <a:endParaRPr lang="en-US" sz="1400" dirty="0">
+              <a:solidFill>
+                <a:schemeClr val="tx1"/>
+              </a:solidFill>
+            </a:endParaRPr>
+          </a:p>
+        </p:txBody>
+      </p:sp>
     </p:spTree>
   </p:cSld>
   <p:clrMapOvr>
@@ -3962,8 +3791,8 @@
 </p:sld>
 </file>
 
-<file path=ppt/slides/slide6.xml><?xml version="1.0" encoding="utf-8"?>
-<p:sld xmlns:a="http://schemas.openxmlformats.org/drawingml/2006/main" xmlns:r="http://schemas.openxmlformats.org/officeDocument/2006/relationships" xmlns:p="http://schemas.openxmlformats.org/presentationml/2006/main">
+<file path=ppt/slides/slide5.xml><?xml version="1.0" encoding="utf-8"?>
+<p:sld xmlns:a="http://schemas.openxmlformats.org/drawingml/2006/main" xmlns:r="http://schemas.openxmlformats.org/officeDocument/2006/relationships" xmlns:mc="http://schemas.openxmlformats.org/markup-compatibility/2006" xmlns:mv="urn:schemas-microsoft-com:mac:vml" xmlns:p="http://schemas.openxmlformats.org/presentationml/2006/main" mc:Ignorable="mv" mc:PreserveAttributes="mv:*">
   <p:cSld>
     <p:spTree>
       <p:nvGrpSpPr>
@@ -4109,8 +3938,8 @@
 </p:sld>
 </file>
 
-<file path=ppt/slides/slide7.xml><?xml version="1.0" encoding="utf-8"?>
-<p:sld xmlns:a="http://schemas.openxmlformats.org/drawingml/2006/main" xmlns:r="http://schemas.openxmlformats.org/officeDocument/2006/relationships" xmlns:p="http://schemas.openxmlformats.org/presentationml/2006/main">
+<file path=ppt/slides/slide6.xml><?xml version="1.0" encoding="utf-8"?>
+<p:sld xmlns:a="http://schemas.openxmlformats.org/drawingml/2006/main" xmlns:r="http://schemas.openxmlformats.org/officeDocument/2006/relationships" xmlns:mc="http://schemas.openxmlformats.org/markup-compatibility/2006" xmlns:mv="urn:schemas-microsoft-com:mac:vml" xmlns:p="http://schemas.openxmlformats.org/presentationml/2006/main" mc:Ignorable="mv" mc:PreserveAttributes="mv:*">
   <p:cSld>
     <p:spTree>
       <p:nvGrpSpPr>
@@ -4256,8 +4085,8 @@
 </p:sld>
 </file>
 
-<file path=ppt/slides/slide8.xml><?xml version="1.0" encoding="utf-8"?>
-<p:sld xmlns:a="http://schemas.openxmlformats.org/drawingml/2006/main" xmlns:r="http://schemas.openxmlformats.org/officeDocument/2006/relationships" xmlns:p="http://schemas.openxmlformats.org/presentationml/2006/main">
+<file path=ppt/slides/slide7.xml><?xml version="1.0" encoding="utf-8"?>
+<p:sld xmlns:a="http://schemas.openxmlformats.org/drawingml/2006/main" xmlns:r="http://schemas.openxmlformats.org/officeDocument/2006/relationships" xmlns:mc="http://schemas.openxmlformats.org/markup-compatibility/2006" xmlns:mv="urn:schemas-microsoft-com:mac:vml" xmlns:p="http://schemas.openxmlformats.org/presentationml/2006/main" mc:Ignorable="mv" mc:PreserveAttributes="mv:*">
   <p:cSld>
     <p:spTree>
       <p:nvGrpSpPr>
@@ -4355,8 +4184,8 @@
 </p:sld>
 </file>
 
-<file path=ppt/slides/slide9.xml><?xml version="1.0" encoding="utf-8"?>
-<p:sld xmlns:a="http://schemas.openxmlformats.org/drawingml/2006/main" xmlns:r="http://schemas.openxmlformats.org/officeDocument/2006/relationships" xmlns:p="http://schemas.openxmlformats.org/presentationml/2006/main">
+<file path=ppt/slides/slide8.xml><?xml version="1.0" encoding="utf-8"?>
+<p:sld xmlns:a="http://schemas.openxmlformats.org/drawingml/2006/main" xmlns:r="http://schemas.openxmlformats.org/officeDocument/2006/relationships" xmlns:mc="http://schemas.openxmlformats.org/markup-compatibility/2006" xmlns:mv="urn:schemas-microsoft-com:mac:vml" xmlns:p="http://schemas.openxmlformats.org/presentationml/2006/main" mc:Ignorable="mv" mc:PreserveAttributes="mv:*">
   <p:cSld>
     <p:spTree>
       <p:nvGrpSpPr>
@@ -4433,6 +4262,105 @@
           <a:xfrm>
             <a:off x="990600" y="1600200"/>
             <a:ext cx="7029450" cy="4953000"/>
+          </a:xfrm>
+          <a:prstGeom prst="rect">
+            <a:avLst/>
+          </a:prstGeom>
+          <a:noFill/>
+          <a:ln w="9525">
+            <a:noFill/>
+            <a:miter lim="800000"/>
+            <a:headEnd/>
+            <a:tailEnd/>
+          </a:ln>
+        </p:spPr>
+      </p:pic>
+    </p:spTree>
+  </p:cSld>
+  <p:clrMapOvr>
+    <a:masterClrMapping/>
+  </p:clrMapOvr>
+</p:sld>
+</file>
+
+<file path=ppt/slides/slide9.xml><?xml version="1.0" encoding="utf-8"?>
+<p:sld xmlns:a="http://schemas.openxmlformats.org/drawingml/2006/main" xmlns:r="http://schemas.openxmlformats.org/officeDocument/2006/relationships" xmlns:mc="http://schemas.openxmlformats.org/markup-compatibility/2006" xmlns:mv="urn:schemas-microsoft-com:mac:vml" xmlns:p="http://schemas.openxmlformats.org/presentationml/2006/main" mc:Ignorable="mv" mc:PreserveAttributes="mv:*">
+  <p:cSld>
+    <p:spTree>
+      <p:nvGrpSpPr>
+        <p:cNvPr id="1" name=""/>
+        <p:cNvGrpSpPr/>
+        <p:nvPr/>
+      </p:nvGrpSpPr>
+      <p:grpSpPr>
+        <a:xfrm>
+          <a:off x="0" y="0"/>
+          <a:ext cx="0" cy="0"/>
+          <a:chOff x="0" y="0"/>
+          <a:chExt cx="0" cy="0"/>
+        </a:xfrm>
+      </p:grpSpPr>
+      <p:sp>
+        <p:nvSpPr>
+          <p:cNvPr id="2" name="Title 1"/>
+          <p:cNvSpPr>
+            <a:spLocks noGrp="1"/>
+          </p:cNvSpPr>
+          <p:nvPr>
+            <p:ph type="title"/>
+          </p:nvPr>
+        </p:nvSpPr>
+        <p:spPr/>
+        <p:txBody>
+          <a:bodyPr/>
+          <a:lstStyle/>
+          <a:p>
+            <a:r>
+              <a:rPr lang="en-US" dirty="0" smtClean="0"/>
+              <a:t>RPT Configuration (Cont’d)</a:t>
+            </a:r>
+            <a:endParaRPr lang="en-US" dirty="0"/>
+          </a:p>
+        </p:txBody>
+      </p:sp>
+      <p:sp>
+        <p:nvSpPr>
+          <p:cNvPr id="3" name="Content Placeholder 2"/>
+          <p:cNvSpPr>
+            <a:spLocks noGrp="1"/>
+          </p:cNvSpPr>
+          <p:nvPr>
+            <p:ph idx="1"/>
+          </p:nvPr>
+        </p:nvSpPr>
+        <p:spPr/>
+        <p:txBody>
+          <a:bodyPr/>
+          <a:lstStyle/>
+          <a:p>
+            <a:endParaRPr lang="en-US"/>
+          </a:p>
+        </p:txBody>
+      </p:sp>
+      <p:pic>
+        <p:nvPicPr>
+          <p:cNvPr id="1026" name="Picture 2"/>
+          <p:cNvPicPr>
+            <a:picLocks noChangeAspect="1" noChangeArrowheads="1"/>
+          </p:cNvPicPr>
+          <p:nvPr/>
+        </p:nvPicPr>
+        <p:blipFill>
+          <a:blip r:embed="rId2" cstate="print"/>
+          <a:srcRect/>
+          <a:stretch>
+            <a:fillRect/>
+          </a:stretch>
+        </p:blipFill>
+        <p:spPr bwMode="auto">
+          <a:xfrm>
+            <a:off x="1057275" y="214313"/>
+            <a:ext cx="7029450" cy="6429375"/>
           </a:xfrm>
           <a:prstGeom prst="rect">
             <a:avLst/>
